--- a/report/Composite(компоновщик).pptx
+++ b/report/Composite(компоновщик).pptx
@@ -11,7 +11,6 @@
     <p:sldId id="264" r:id="rId5"/>
     <p:sldId id="260" r:id="rId6"/>
     <p:sldId id="261" r:id="rId7"/>
-    <p:sldId id="262" r:id="rId8"/>
   </p:sldIdLst>
   <p:sldSz cx="9144000" cy="6858000" type="screen4x3"/>
   <p:notesSz cx="6858000" cy="9144000"/>
@@ -3831,15 +3830,7 @@
             </a:r>
             <a:r>
               <a:rPr lang="ru-RU" sz="2000" i="1" dirty="0"/>
-              <a:t>Composite</a:t>
-            </a:r>
-            <a:r>
-              <a:rPr lang="ru-RU" sz="2000" i="1" dirty="0"/>
-              <a:t> </a:t>
-            </a:r>
-            <a:r>
-              <a:rPr lang="ru-RU" sz="2000" i="1" dirty="0"/>
-              <a:t>pattern</a:t>
+              <a:t>Composite pattern</a:t>
             </a:r>
             <a:r>
               <a:rPr lang="ru-RU" sz="2000" dirty="0"/>
@@ -4001,29 +3992,13 @@
           <a:p>
             <a:r>
               <a:rPr lang="ru-RU" sz="2000" dirty="0" smtClean="0"/>
-              <a:t> </a:t>
-            </a:r>
+              <a:t> Пользовательский интерфейс (GUI).</a:t>
+            </a:r>
+          </a:p>
+          <a:p>
             <a:r>
               <a:rPr lang="ru-RU" sz="2000" dirty="0" smtClean="0"/>
-              <a:t>Пользовательский </a:t>
-            </a:r>
-            <a:r>
-              <a:rPr lang="ru-RU" sz="2000" dirty="0" smtClean="0"/>
-              <a:t>интерфейс (GUI</a:t>
-            </a:r>
-            <a:r>
-              <a:rPr lang="ru-RU" sz="2000" dirty="0" smtClean="0"/>
-              <a:t>).</a:t>
-            </a:r>
-          </a:p>
-          <a:p>
-            <a:r>
-              <a:rPr lang="ru-RU" sz="2000" dirty="0" smtClean="0"/>
-              <a:t>окно </a:t>
-            </a:r>
-            <a:r>
-              <a:rPr lang="ru-RU" sz="2000" dirty="0" smtClean="0"/>
-              <a:t>пользовательского интерфейса — контейнер для более простых </a:t>
+              <a:t>окно пользовательского интерфейса — контейнер для более простых </a:t>
             </a:r>
             <a:r>
               <a:rPr lang="ru-RU" sz="2000" dirty="0" err="1" smtClean="0"/>
@@ -4031,19 +4006,7 @@
             </a:r>
             <a:r>
               <a:rPr lang="ru-RU" sz="2000" dirty="0" smtClean="0"/>
-              <a:t> — панелей, кнопок, полей </a:t>
-            </a:r>
-            <a:r>
-              <a:rPr lang="ru-RU" sz="2000" dirty="0" smtClean="0"/>
-              <a:t>ввода </a:t>
-            </a:r>
-            <a:r>
-              <a:rPr lang="ru-RU" sz="2000" dirty="0" smtClean="0"/>
-              <a:t>и т.д</a:t>
-            </a:r>
-            <a:r>
-              <a:rPr lang="ru-RU" sz="2000" dirty="0" smtClean="0"/>
-              <a:t>.</a:t>
+              <a:t> — панелей, кнопок, полей ввода и т.д.</a:t>
             </a:r>
           </a:p>
           <a:p>
@@ -4051,7 +4014,6 @@
               <a:rPr lang="ru-RU" sz="2000" dirty="0" smtClean="0"/>
               <a:t>панель, в свою очередь тоже являются контейнерными объектами и так вплоть до элементарных листовых объектов</a:t>
             </a:r>
-            <a:endParaRPr lang="ru-RU" sz="2000" dirty="0" smtClean="0"/>
           </a:p>
           <a:p>
             <a:endParaRPr lang="ru-RU" dirty="0"/>
@@ -4202,292 +4164,6 @@
           <a:noFill/>
         </p:spPr>
       </p:pic>
-    </p:spTree>
-  </p:cSld>
-  <p:clrMapOvr>
-    <a:masterClrMapping/>
-  </p:clrMapOvr>
-</p:sld>
-</file>
-
-<file path=ppt/slides/slide7.xml><?xml version="1.0" encoding="utf-8"?>
-<p:sld xmlns:a="http://schemas.openxmlformats.org/drawingml/2006/main" xmlns:r="http://schemas.openxmlformats.org/officeDocument/2006/relationships" xmlns:p="http://schemas.openxmlformats.org/presentationml/2006/main">
-  <p:cSld>
-    <p:spTree>
-      <p:nvGrpSpPr>
-        <p:cNvPr id="1" name=""/>
-        <p:cNvGrpSpPr/>
-        <p:nvPr/>
-      </p:nvGrpSpPr>
-      <p:grpSpPr>
-        <a:xfrm>
-          <a:off x="0" y="0"/>
-          <a:ext cx="0" cy="0"/>
-          <a:chOff x="0" y="0"/>
-          <a:chExt cx="0" cy="0"/>
-        </a:xfrm>
-      </p:grpSpPr>
-      <p:sp>
-        <p:nvSpPr>
-          <p:cNvPr id="2" name="Заголовок 1"/>
-          <p:cNvSpPr>
-            <a:spLocks noGrp="1"/>
-          </p:cNvSpPr>
-          <p:nvPr>
-            <p:ph type="title"/>
-          </p:nvPr>
-        </p:nvSpPr>
-        <p:spPr>
-          <a:xfrm>
-            <a:off x="857224" y="571480"/>
-            <a:ext cx="7772400" cy="1143000"/>
-          </a:xfrm>
-        </p:spPr>
-        <p:txBody>
-          <a:bodyPr>
-            <a:normAutofit fontScale="90000"/>
-          </a:bodyPr>
-          <a:lstStyle/>
-          <a:p>
-            <a:r>
-              <a:rPr lang="ru-RU" b="1" dirty="0"/>
-              <a:t>Участники паттерна Компоновщик (</a:t>
-            </a:r>
-            <a:r>
-              <a:rPr lang="en-US" b="1" dirty="0"/>
-              <a:t>Composite)</a:t>
-            </a:r>
-            <a:br>
-              <a:rPr lang="en-US" b="1" dirty="0"/>
-            </a:br>
-            <a:endParaRPr lang="ru-RU" dirty="0"/>
-          </a:p>
-        </p:txBody>
-      </p:sp>
-      <p:sp>
-        <p:nvSpPr>
-          <p:cNvPr id="3" name="Содержимое 2"/>
-          <p:cNvSpPr>
-            <a:spLocks noGrp="1"/>
-          </p:cNvSpPr>
-          <p:nvPr>
-            <p:ph sz="quarter" idx="1"/>
-          </p:nvPr>
-        </p:nvSpPr>
-        <p:spPr>
-          <a:xfrm>
-            <a:off x="1000100" y="2000240"/>
-            <a:ext cx="7772400" cy="4267216"/>
-          </a:xfrm>
-        </p:spPr>
-        <p:txBody>
-          <a:bodyPr>
-            <a:normAutofit fontScale="32500" lnSpcReduction="20000"/>
-          </a:bodyPr>
-          <a:lstStyle/>
-          <a:p>
-            <a:r>
-              <a:rPr lang="ru-RU" sz="4200" b="1" dirty="0"/>
-              <a:t>Component</a:t>
-            </a:r>
-            <a:r>
-              <a:rPr lang="ru-RU" sz="4200" dirty="0"/>
-              <a:t> (</a:t>
-            </a:r>
-            <a:r>
-              <a:rPr lang="ru-RU" sz="4200" dirty="0"/>
-              <a:t>Graphic</a:t>
-            </a:r>
-            <a:r>
-              <a:rPr lang="ru-RU" sz="4200" dirty="0"/>
-              <a:t>) – компонент.</a:t>
-            </a:r>
-            <a:br>
-              <a:rPr lang="ru-RU" sz="4200" dirty="0"/>
-            </a:br>
-            <a:r>
-              <a:rPr lang="ru-RU" sz="4200" dirty="0"/>
-              <a:t>Объявляет интерфейс для компонуемых объектов;</a:t>
-            </a:r>
-            <a:br>
-              <a:rPr lang="ru-RU" sz="4200" dirty="0"/>
-            </a:br>
-            <a:r>
-              <a:rPr lang="ru-RU" sz="4200" dirty="0"/>
-              <a:t>Предоставляет подходящую реализацию операций по умолчанию, общую для всех классов;</a:t>
-            </a:r>
-            <a:br>
-              <a:rPr lang="ru-RU" sz="4200" dirty="0"/>
-            </a:br>
-            <a:r>
-              <a:rPr lang="ru-RU" sz="4200" dirty="0"/>
-              <a:t>Объявляет единый интерфейс для доступа к потомкам и управления ими;</a:t>
-            </a:r>
-            <a:br>
-              <a:rPr lang="ru-RU" sz="4200" dirty="0"/>
-            </a:br>
-            <a:r>
-              <a:rPr lang="ru-RU" sz="4200" dirty="0"/>
-              <a:t>Определяет интерфейс для доступа к родителю компонента в рекурсивной структуре и при необходимости реализует его (возможность необязательна); оригинал </a:t>
-            </a:r>
-            <a:r>
-              <a:rPr lang="ru-RU" sz="4200" dirty="0" smtClean="0"/>
-              <a:t>источник</a:t>
-            </a:r>
-            <a:endParaRPr lang="ru-RU" sz="4200" dirty="0"/>
-          </a:p>
-          <a:p>
-            <a:r>
-              <a:rPr lang="ru-RU" sz="4200" b="1" dirty="0"/>
-              <a:t>Leaf</a:t>
-            </a:r>
-            <a:r>
-              <a:rPr lang="ru-RU" sz="4200" dirty="0"/>
-              <a:t> (</a:t>
-            </a:r>
-            <a:r>
-              <a:rPr lang="ru-RU" sz="4200" dirty="0" err="1"/>
-              <a:t>Rectangle</a:t>
-            </a:r>
-            <a:r>
-              <a:rPr lang="ru-RU" sz="4200" dirty="0"/>
-              <a:t>, </a:t>
-            </a:r>
-            <a:r>
-              <a:rPr lang="ru-RU" sz="4200" dirty="0" err="1"/>
-              <a:t>Line</a:t>
-            </a:r>
-            <a:r>
-              <a:rPr lang="ru-RU" sz="4200" dirty="0"/>
-              <a:t>, </a:t>
-            </a:r>
-            <a:r>
-              <a:rPr lang="ru-RU" sz="4200" dirty="0" err="1"/>
-              <a:t>Text</a:t>
-            </a:r>
-            <a:r>
-              <a:rPr lang="ru-RU" sz="4200" dirty="0"/>
-              <a:t>) – лист.</a:t>
-            </a:r>
-            <a:br>
-              <a:rPr lang="ru-RU" sz="4200" dirty="0"/>
-            </a:br>
-            <a:r>
-              <a:rPr lang="ru-RU" sz="4200" dirty="0"/>
-              <a:t>Объект того же типа что и </a:t>
-            </a:r>
-            <a:r>
-              <a:rPr lang="ru-RU" sz="4200" dirty="0" err="1"/>
-              <a:t>Composite</a:t>
-            </a:r>
-            <a:r>
-              <a:rPr lang="ru-RU" sz="4200" dirty="0"/>
-              <a:t>, но без реализации контейнерных функций;</a:t>
-            </a:r>
-            <a:br>
-              <a:rPr lang="ru-RU" sz="4200" dirty="0"/>
-            </a:br>
-            <a:r>
-              <a:rPr lang="ru-RU" sz="4200" dirty="0"/>
-              <a:t>Представляет листовые узлы композиции и не имеет потомков;</a:t>
-            </a:r>
-            <a:br>
-              <a:rPr lang="ru-RU" sz="4200" dirty="0"/>
-            </a:br>
-            <a:r>
-              <a:rPr lang="ru-RU" sz="4200" dirty="0"/>
-              <a:t>Определяет поведение примитивных объектов в композиции;</a:t>
-            </a:r>
-            <a:br>
-              <a:rPr lang="ru-RU" sz="4200" dirty="0"/>
-            </a:br>
-            <a:r>
-              <a:rPr lang="ru-RU" sz="4200" dirty="0"/>
-              <a:t>Входит в состав контейнерных объектов</a:t>
-            </a:r>
-            <a:r>
-              <a:rPr lang="ru-RU" sz="4200" dirty="0" smtClean="0"/>
-              <a:t>;</a:t>
-            </a:r>
-            <a:endParaRPr lang="ru-RU" sz="4200" dirty="0"/>
-          </a:p>
-          <a:p>
-            <a:r>
-              <a:rPr lang="ru-RU" sz="4200" b="1" dirty="0" err="1"/>
-              <a:t>Composite</a:t>
-            </a:r>
-            <a:r>
-              <a:rPr lang="ru-RU" sz="4200" dirty="0"/>
-              <a:t> (</a:t>
-            </a:r>
-            <a:r>
-              <a:rPr lang="ru-RU" sz="4200" dirty="0" err="1"/>
-              <a:t>Picture</a:t>
-            </a:r>
-            <a:r>
-              <a:rPr lang="ru-RU" sz="4200" dirty="0"/>
-              <a:t>) - составной объект.</a:t>
-            </a:r>
-            <a:br>
-              <a:rPr lang="ru-RU" sz="4200" dirty="0"/>
-            </a:br>
-            <a:r>
-              <a:rPr lang="ru-RU" sz="4200" dirty="0"/>
-              <a:t>Определяет поведение контейнерных объектов, у которых есть потомки;</a:t>
-            </a:r>
-            <a:br>
-              <a:rPr lang="ru-RU" sz="4200" dirty="0"/>
-            </a:br>
-            <a:r>
-              <a:rPr lang="ru-RU" sz="4200" dirty="0"/>
-              <a:t>Хранит иерархию компонентов-потомков;</a:t>
-            </a:r>
-            <a:br>
-              <a:rPr lang="ru-RU" sz="4200" dirty="0"/>
-            </a:br>
-            <a:r>
-              <a:rPr lang="ru-RU" sz="4200" dirty="0"/>
-              <a:t>Реализует относящиеся к управлению потомками (контейнерные) операции в интерфейсе класса </a:t>
-            </a:r>
-            <a:r>
-              <a:rPr lang="ru-RU" sz="4200" dirty="0" err="1"/>
-              <a:t>Component</a:t>
-            </a:r>
-            <a:r>
-              <a:rPr lang="ru-RU" sz="4200" dirty="0"/>
-              <a:t>; </a:t>
-            </a:r>
-          </a:p>
-          <a:p>
-            <a:r>
-              <a:rPr lang="ru-RU" sz="4200" b="1" dirty="0" err="1"/>
-              <a:t>Client</a:t>
-            </a:r>
-            <a:r>
-              <a:rPr lang="ru-RU" sz="4200" dirty="0"/>
-              <a:t> - клиент:</a:t>
-            </a:r>
-            <a:br>
-              <a:rPr lang="ru-RU" sz="4200" dirty="0"/>
-            </a:br>
-            <a:r>
-              <a:rPr lang="ru-RU" sz="4200" dirty="0"/>
-              <a:t>Манипулирует объектами композиции, используя интерфейс </a:t>
-            </a:r>
-            <a:r>
-              <a:rPr lang="ru-RU" sz="4200" dirty="0" err="1"/>
-              <a:t>Component</a:t>
-            </a:r>
-            <a:r>
-              <a:rPr lang="ru-RU" sz="4200" dirty="0"/>
-              <a:t>.</a:t>
-            </a:r>
-          </a:p>
-          <a:p>
-            <a:endParaRPr lang="ru-RU" dirty="0"/>
-          </a:p>
-        </p:txBody>
-      </p:sp>
     </p:spTree>
   </p:cSld>
   <p:clrMapOvr>

--- a/report/Composite(компоновщик).pptx
+++ b/report/Composite(компоновщик).pptx
@@ -9,8 +9,10 @@
     <p:sldId id="257" r:id="rId3"/>
     <p:sldId id="258" r:id="rId4"/>
     <p:sldId id="264" r:id="rId5"/>
-    <p:sldId id="260" r:id="rId6"/>
-    <p:sldId id="261" r:id="rId7"/>
+    <p:sldId id="265" r:id="rId6"/>
+    <p:sldId id="266" r:id="rId7"/>
+    <p:sldId id="260" r:id="rId8"/>
+    <p:sldId id="261" r:id="rId9"/>
   </p:sldIdLst>
   <p:sldSz cx="9144000" cy="6858000" type="screen4x3"/>
   <p:notesSz cx="6858000" cy="9144000"/>
@@ -307,7 +309,7 @@
             <a:fld id="{CCA16511-9E30-4A87-9B45-B0E85C96BEB6}" type="datetimeFigureOut">
               <a:rPr lang="ru-RU" smtClean="0"/>
               <a:pPr/>
-              <a:t>13.11.2012</a:t>
+              <a:t>17.11.2012</a:t>
             </a:fld>
             <a:endParaRPr lang="ru-RU" dirty="0"/>
           </a:p>
@@ -662,7 +664,7 @@
             <a:fld id="{CCA16511-9E30-4A87-9B45-B0E85C96BEB6}" type="datetimeFigureOut">
               <a:rPr lang="ru-RU" smtClean="0"/>
               <a:pPr/>
-              <a:t>13.11.2012</a:t>
+              <a:t>17.11.2012</a:t>
             </a:fld>
             <a:endParaRPr lang="ru-RU" dirty="0"/>
           </a:p>
@@ -839,7 +841,7 @@
             <a:fld id="{CCA16511-9E30-4A87-9B45-B0E85C96BEB6}" type="datetimeFigureOut">
               <a:rPr lang="ru-RU" smtClean="0"/>
               <a:pPr/>
-              <a:t>13.11.2012</a:t>
+              <a:t>17.11.2012</a:t>
             </a:fld>
             <a:endParaRPr lang="ru-RU" dirty="0"/>
           </a:p>
@@ -954,7 +956,7 @@
             <a:fld id="{CCA16511-9E30-4A87-9B45-B0E85C96BEB6}" type="datetimeFigureOut">
               <a:rPr lang="ru-RU" smtClean="0"/>
               <a:pPr/>
-              <a:t>13.11.2012</a:t>
+              <a:t>17.11.2012</a:t>
             </a:fld>
             <a:endParaRPr lang="ru-RU" dirty="0"/>
           </a:p>
@@ -1314,7 +1316,7 @@
             <a:fld id="{CCA16511-9E30-4A87-9B45-B0E85C96BEB6}" type="datetimeFigureOut">
               <a:rPr lang="ru-RU" smtClean="0"/>
               <a:pPr/>
-              <a:t>13.11.2012</a:t>
+              <a:t>17.11.2012</a:t>
             </a:fld>
             <a:endParaRPr lang="ru-RU" dirty="0"/>
           </a:p>
@@ -1581,7 +1583,7 @@
             <a:fld id="{CCA16511-9E30-4A87-9B45-B0E85C96BEB6}" type="datetimeFigureOut">
               <a:rPr lang="ru-RU" smtClean="0"/>
               <a:pPr/>
-              <a:t>13.11.2012</a:t>
+              <a:t>17.11.2012</a:t>
             </a:fld>
             <a:endParaRPr lang="ru-RU" dirty="0"/>
           </a:p>
@@ -1945,7 +1947,7 @@
             <a:fld id="{CCA16511-9E30-4A87-9B45-B0E85C96BEB6}" type="datetimeFigureOut">
               <a:rPr lang="ru-RU" smtClean="0"/>
               <a:pPr/>
-              <a:t>13.11.2012</a:t>
+              <a:t>17.11.2012</a:t>
             </a:fld>
             <a:endParaRPr lang="ru-RU" dirty="0"/>
           </a:p>
@@ -2174,7 +2176,7 @@
             <a:fld id="{CCA16511-9E30-4A87-9B45-B0E85C96BEB6}" type="datetimeFigureOut">
               <a:rPr lang="ru-RU" smtClean="0"/>
               <a:pPr/>
-              <a:t>13.11.2012</a:t>
+              <a:t>17.11.2012</a:t>
             </a:fld>
             <a:endParaRPr lang="ru-RU" dirty="0"/>
           </a:p>
@@ -2266,7 +2268,7 @@
             <a:fld id="{CCA16511-9E30-4A87-9B45-B0E85C96BEB6}" type="datetimeFigureOut">
               <a:rPr lang="ru-RU" smtClean="0"/>
               <a:pPr/>
-              <a:t>13.11.2012</a:t>
+              <a:t>17.11.2012</a:t>
             </a:fld>
             <a:endParaRPr lang="ru-RU" dirty="0"/>
           </a:p>
@@ -2535,7 +2537,7 @@
             <a:fld id="{CCA16511-9E30-4A87-9B45-B0E85C96BEB6}" type="datetimeFigureOut">
               <a:rPr lang="ru-RU" smtClean="0"/>
               <a:pPr/>
-              <a:t>13.11.2012</a:t>
+              <a:t>17.11.2012</a:t>
             </a:fld>
             <a:endParaRPr lang="ru-RU" dirty="0"/>
           </a:p>
@@ -2765,7 +2767,7 @@
             <a:fld id="{CCA16511-9E30-4A87-9B45-B0E85C96BEB6}" type="datetimeFigureOut">
               <a:rPr lang="ru-RU" smtClean="0"/>
               <a:pPr/>
-              <a:t>13.11.2012</a:t>
+              <a:t>17.11.2012</a:t>
             </a:fld>
             <a:endParaRPr lang="ru-RU" dirty="0"/>
           </a:p>
@@ -3266,7 +3268,7 @@
             <a:fld id="{CCA16511-9E30-4A87-9B45-B0E85C96BEB6}" type="datetimeFigureOut">
               <a:rPr lang="ru-RU" smtClean="0"/>
               <a:pPr/>
-              <a:t>13.11.2012</a:t>
+              <a:t>17.11.2012</a:t>
             </a:fld>
             <a:endParaRPr lang="ru-RU" dirty="0"/>
           </a:p>
@@ -4045,6 +4047,181 @@
           <a:chExt cx="0" cy="0"/>
         </a:xfrm>
       </p:grpSpPr>
+      <p:sp>
+        <p:nvSpPr>
+          <p:cNvPr id="2" name="Заголовок 1"/>
+          <p:cNvSpPr>
+            <a:spLocks noGrp="1"/>
+          </p:cNvSpPr>
+          <p:nvPr>
+            <p:ph type="title"/>
+          </p:nvPr>
+        </p:nvSpPr>
+        <p:spPr/>
+        <p:txBody>
+          <a:bodyPr/>
+          <a:lstStyle/>
+          <a:p>
+            <a:endParaRPr lang="ru-RU"/>
+          </a:p>
+        </p:txBody>
+      </p:sp>
+      <p:sp>
+        <p:nvSpPr>
+          <p:cNvPr id="3" name="Содержимое 2"/>
+          <p:cNvSpPr>
+            <a:spLocks noGrp="1"/>
+          </p:cNvSpPr>
+          <p:nvPr>
+            <p:ph sz="quarter" idx="1"/>
+          </p:nvPr>
+        </p:nvSpPr>
+        <p:spPr/>
+        <p:txBody>
+          <a:bodyPr/>
+          <a:lstStyle/>
+          <a:p>
+            <a:endParaRPr lang="ru-RU"/>
+          </a:p>
+        </p:txBody>
+      </p:sp>
+      <p:pic>
+        <p:nvPicPr>
+          <p:cNvPr id="1026" name="Picture 2"/>
+          <p:cNvPicPr>
+            <a:picLocks noChangeAspect="1" noChangeArrowheads="1"/>
+          </p:cNvPicPr>
+          <p:nvPr/>
+        </p:nvPicPr>
+        <p:blipFill>
+          <a:blip r:embed="rId2"/>
+          <a:srcRect/>
+          <a:stretch>
+            <a:fillRect/>
+          </a:stretch>
+        </p:blipFill>
+        <p:spPr bwMode="auto">
+          <a:xfrm>
+            <a:off x="642910" y="1000108"/>
+            <a:ext cx="8073737" cy="4286280"/>
+          </a:xfrm>
+          <a:prstGeom prst="rect">
+            <a:avLst/>
+          </a:prstGeom>
+          <a:noFill/>
+          <a:ln w="9525">
+            <a:noFill/>
+            <a:miter lim="800000"/>
+            <a:headEnd/>
+            <a:tailEnd/>
+          </a:ln>
+          <a:effectLst/>
+        </p:spPr>
+      </p:pic>
+    </p:spTree>
+  </p:cSld>
+  <p:clrMapOvr>
+    <a:masterClrMapping/>
+  </p:clrMapOvr>
+</p:sld>
+</file>
+
+<file path=ppt/slides/slide6.xml><?xml version="1.0" encoding="utf-8"?>
+<p:sld xmlns:a="http://schemas.openxmlformats.org/drawingml/2006/main" xmlns:r="http://schemas.openxmlformats.org/officeDocument/2006/relationships" xmlns:p="http://schemas.openxmlformats.org/presentationml/2006/main">
+  <p:cSld>
+    <p:spTree>
+      <p:nvGrpSpPr>
+        <p:cNvPr id="1" name=""/>
+        <p:cNvGrpSpPr/>
+        <p:nvPr/>
+      </p:nvGrpSpPr>
+      <p:grpSpPr>
+        <a:xfrm>
+          <a:off x="0" y="0"/>
+          <a:ext cx="0" cy="0"/>
+          <a:chOff x="0" y="0"/>
+          <a:chExt cx="0" cy="0"/>
+        </a:xfrm>
+      </p:grpSpPr>
+      <p:sp>
+        <p:nvSpPr>
+          <p:cNvPr id="2" name="Заголовок 1"/>
+          <p:cNvSpPr>
+            <a:spLocks noGrp="1"/>
+          </p:cNvSpPr>
+          <p:nvPr>
+            <p:ph type="title"/>
+          </p:nvPr>
+        </p:nvSpPr>
+        <p:spPr/>
+        <p:txBody>
+          <a:bodyPr/>
+          <a:lstStyle/>
+          <a:p>
+            <a:endParaRPr lang="ru-RU"/>
+          </a:p>
+        </p:txBody>
+      </p:sp>
+      <p:pic>
+        <p:nvPicPr>
+          <p:cNvPr id="2050" name="Picture 2"/>
+          <p:cNvPicPr>
+            <a:picLocks noGrp="1" noChangeAspect="1" noChangeArrowheads="1"/>
+          </p:cNvPicPr>
+          <p:nvPr>
+            <p:ph sz="quarter" idx="1"/>
+          </p:nvPr>
+        </p:nvPicPr>
+        <p:blipFill>
+          <a:blip r:embed="rId2"/>
+          <a:srcRect/>
+          <a:stretch>
+            <a:fillRect/>
+          </a:stretch>
+        </p:blipFill>
+        <p:spPr bwMode="auto">
+          <a:xfrm>
+            <a:off x="500034" y="1357298"/>
+            <a:ext cx="8343684" cy="3937128"/>
+          </a:xfrm>
+          <a:prstGeom prst="rect">
+            <a:avLst/>
+          </a:prstGeom>
+          <a:noFill/>
+          <a:ln w="9525">
+            <a:noFill/>
+            <a:miter lim="800000"/>
+            <a:headEnd/>
+            <a:tailEnd/>
+          </a:ln>
+          <a:effectLst/>
+        </p:spPr>
+      </p:pic>
+    </p:spTree>
+  </p:cSld>
+  <p:clrMapOvr>
+    <a:masterClrMapping/>
+  </p:clrMapOvr>
+</p:sld>
+</file>
+
+<file path=ppt/slides/slide7.xml><?xml version="1.0" encoding="utf-8"?>
+<p:sld xmlns:a="http://schemas.openxmlformats.org/drawingml/2006/main" xmlns:r="http://schemas.openxmlformats.org/officeDocument/2006/relationships" xmlns:p="http://schemas.openxmlformats.org/presentationml/2006/main">
+  <p:cSld>
+    <p:spTree>
+      <p:nvGrpSpPr>
+        <p:cNvPr id="1" name=""/>
+        <p:cNvGrpSpPr/>
+        <p:nvPr/>
+      </p:nvGrpSpPr>
+      <p:grpSpPr>
+        <a:xfrm>
+          <a:off x="0" y="0"/>
+          <a:ext cx="0" cy="0"/>
+          <a:chOff x="0" y="0"/>
+          <a:chExt cx="0" cy="0"/>
+        </a:xfrm>
+      </p:grpSpPr>
       <p:pic>
         <p:nvPicPr>
           <p:cNvPr id="1026" name="Picture 2" descr="http://codelab.ru/data/tasks/207/Image/structure.gif"/>
@@ -4079,7 +4256,7 @@
 </p:sld>
 </file>
 
-<file path=ppt/slides/slide6.xml><?xml version="1.0" encoding="utf-8"?>
+<file path=ppt/slides/slide8.xml><?xml version="1.0" encoding="utf-8"?>
 <p:sld xmlns:a="http://schemas.openxmlformats.org/drawingml/2006/main" xmlns:r="http://schemas.openxmlformats.org/officeDocument/2006/relationships" xmlns:p="http://schemas.openxmlformats.org/presentationml/2006/main">
   <p:cSld>
     <p:spTree>

--- a/report/Composite(компоновщик).pptx
+++ b/report/Composite(компоновщик).pptx
@@ -10,9 +10,10 @@
     <p:sldId id="258" r:id="rId4"/>
     <p:sldId id="264" r:id="rId5"/>
     <p:sldId id="265" r:id="rId6"/>
-    <p:sldId id="266" r:id="rId7"/>
-    <p:sldId id="260" r:id="rId8"/>
-    <p:sldId id="261" r:id="rId9"/>
+    <p:sldId id="260" r:id="rId7"/>
+    <p:sldId id="261" r:id="rId8"/>
+    <p:sldId id="266" r:id="rId9"/>
+    <p:sldId id="267" r:id="rId10"/>
   </p:sldIdLst>
   <p:sldSz cx="9144000" cy="6858000" type="screen4x3"/>
   <p:notesSz cx="6858000" cy="9144000"/>
@@ -309,7 +310,7 @@
             <a:fld id="{CCA16511-9E30-4A87-9B45-B0E85C96BEB6}" type="datetimeFigureOut">
               <a:rPr lang="ru-RU" smtClean="0"/>
               <a:pPr/>
-              <a:t>17.11.2012</a:t>
+              <a:t>29.11.2012</a:t>
             </a:fld>
             <a:endParaRPr lang="ru-RU" dirty="0"/>
           </a:p>
@@ -664,7 +665,7 @@
             <a:fld id="{CCA16511-9E30-4A87-9B45-B0E85C96BEB6}" type="datetimeFigureOut">
               <a:rPr lang="ru-RU" smtClean="0"/>
               <a:pPr/>
-              <a:t>17.11.2012</a:t>
+              <a:t>29.11.2012</a:t>
             </a:fld>
             <a:endParaRPr lang="ru-RU" dirty="0"/>
           </a:p>
@@ -841,7 +842,7 @@
             <a:fld id="{CCA16511-9E30-4A87-9B45-B0E85C96BEB6}" type="datetimeFigureOut">
               <a:rPr lang="ru-RU" smtClean="0"/>
               <a:pPr/>
-              <a:t>17.11.2012</a:t>
+              <a:t>29.11.2012</a:t>
             </a:fld>
             <a:endParaRPr lang="ru-RU" dirty="0"/>
           </a:p>
@@ -956,7 +957,7 @@
             <a:fld id="{CCA16511-9E30-4A87-9B45-B0E85C96BEB6}" type="datetimeFigureOut">
               <a:rPr lang="ru-RU" smtClean="0"/>
               <a:pPr/>
-              <a:t>17.11.2012</a:t>
+              <a:t>29.11.2012</a:t>
             </a:fld>
             <a:endParaRPr lang="ru-RU" dirty="0"/>
           </a:p>
@@ -1316,7 +1317,7 @@
             <a:fld id="{CCA16511-9E30-4A87-9B45-B0E85C96BEB6}" type="datetimeFigureOut">
               <a:rPr lang="ru-RU" smtClean="0"/>
               <a:pPr/>
-              <a:t>17.11.2012</a:t>
+              <a:t>29.11.2012</a:t>
             </a:fld>
             <a:endParaRPr lang="ru-RU" dirty="0"/>
           </a:p>
@@ -1583,7 +1584,7 @@
             <a:fld id="{CCA16511-9E30-4A87-9B45-B0E85C96BEB6}" type="datetimeFigureOut">
               <a:rPr lang="ru-RU" smtClean="0"/>
               <a:pPr/>
-              <a:t>17.11.2012</a:t>
+              <a:t>29.11.2012</a:t>
             </a:fld>
             <a:endParaRPr lang="ru-RU" dirty="0"/>
           </a:p>
@@ -1947,7 +1948,7 @@
             <a:fld id="{CCA16511-9E30-4A87-9B45-B0E85C96BEB6}" type="datetimeFigureOut">
               <a:rPr lang="ru-RU" smtClean="0"/>
               <a:pPr/>
-              <a:t>17.11.2012</a:t>
+              <a:t>29.11.2012</a:t>
             </a:fld>
             <a:endParaRPr lang="ru-RU" dirty="0"/>
           </a:p>
@@ -2176,7 +2177,7 @@
             <a:fld id="{CCA16511-9E30-4A87-9B45-B0E85C96BEB6}" type="datetimeFigureOut">
               <a:rPr lang="ru-RU" smtClean="0"/>
               <a:pPr/>
-              <a:t>17.11.2012</a:t>
+              <a:t>29.11.2012</a:t>
             </a:fld>
             <a:endParaRPr lang="ru-RU" dirty="0"/>
           </a:p>
@@ -2268,7 +2269,7 @@
             <a:fld id="{CCA16511-9E30-4A87-9B45-B0E85C96BEB6}" type="datetimeFigureOut">
               <a:rPr lang="ru-RU" smtClean="0"/>
               <a:pPr/>
-              <a:t>17.11.2012</a:t>
+              <a:t>29.11.2012</a:t>
             </a:fld>
             <a:endParaRPr lang="ru-RU" dirty="0"/>
           </a:p>
@@ -2537,7 +2538,7 @@
             <a:fld id="{CCA16511-9E30-4A87-9B45-B0E85C96BEB6}" type="datetimeFigureOut">
               <a:rPr lang="ru-RU" smtClean="0"/>
               <a:pPr/>
-              <a:t>17.11.2012</a:t>
+              <a:t>29.11.2012</a:t>
             </a:fld>
             <a:endParaRPr lang="ru-RU" dirty="0"/>
           </a:p>
@@ -2767,7 +2768,7 @@
             <a:fld id="{CCA16511-9E30-4A87-9B45-B0E85C96BEB6}" type="datetimeFigureOut">
               <a:rPr lang="ru-RU" smtClean="0"/>
               <a:pPr/>
-              <a:t>17.11.2012</a:t>
+              <a:t>29.11.2012</a:t>
             </a:fld>
             <a:endParaRPr lang="ru-RU" dirty="0"/>
           </a:p>
@@ -3268,7 +3269,7 @@
             <a:fld id="{CCA16511-9E30-4A87-9B45-B0E85C96BEB6}" type="datetimeFigureOut">
               <a:rPr lang="ru-RU" smtClean="0"/>
               <a:pPr/>
-              <a:t>17.11.2012</a:t>
+              <a:t>29.11.2012</a:t>
             </a:fld>
             <a:endParaRPr lang="ru-RU" dirty="0"/>
           </a:p>
@@ -4062,7 +4063,7 @@
           <a:bodyPr/>
           <a:lstStyle/>
           <a:p>
-            <a:endParaRPr lang="ru-RU"/>
+            <a:endParaRPr lang="ru-RU" dirty="0"/>
           </a:p>
         </p:txBody>
       </p:sp>
@@ -4081,13 +4082,13 @@
           <a:bodyPr/>
           <a:lstStyle/>
           <a:p>
-            <a:endParaRPr lang="ru-RU"/>
+            <a:endParaRPr lang="ru-RU" dirty="0"/>
           </a:p>
         </p:txBody>
       </p:sp>
       <p:pic>
         <p:nvPicPr>
-          <p:cNvPr id="1026" name="Picture 2"/>
+          <p:cNvPr id="4098" name="Picture 2" descr="The Composite design pattern used for graphic applications"/>
           <p:cNvPicPr>
             <a:picLocks noChangeAspect="1" noChangeArrowheads="1"/>
           </p:cNvPicPr>
@@ -4102,20 +4103,13 @@
         </p:blipFill>
         <p:spPr bwMode="auto">
           <a:xfrm>
-            <a:off x="642910" y="1000108"/>
-            <a:ext cx="8073737" cy="4286280"/>
+            <a:off x="857224" y="928670"/>
+            <a:ext cx="7786742" cy="5021517"/>
           </a:xfrm>
           <a:prstGeom prst="rect">
             <a:avLst/>
           </a:prstGeom>
           <a:noFill/>
-          <a:ln w="9525">
-            <a:noFill/>
-            <a:miter lim="800000"/>
-            <a:headEnd/>
-            <a:tailEnd/>
-          </a:ln>
-          <a:effectLst/>
         </p:spPr>
       </p:pic>
     </p:spTree>
@@ -4127,85 +4121,6 @@
 </file>
 
 <file path=ppt/slides/slide6.xml><?xml version="1.0" encoding="utf-8"?>
-<p:sld xmlns:a="http://schemas.openxmlformats.org/drawingml/2006/main" xmlns:r="http://schemas.openxmlformats.org/officeDocument/2006/relationships" xmlns:p="http://schemas.openxmlformats.org/presentationml/2006/main">
-  <p:cSld>
-    <p:spTree>
-      <p:nvGrpSpPr>
-        <p:cNvPr id="1" name=""/>
-        <p:cNvGrpSpPr/>
-        <p:nvPr/>
-      </p:nvGrpSpPr>
-      <p:grpSpPr>
-        <a:xfrm>
-          <a:off x="0" y="0"/>
-          <a:ext cx="0" cy="0"/>
-          <a:chOff x="0" y="0"/>
-          <a:chExt cx="0" cy="0"/>
-        </a:xfrm>
-      </p:grpSpPr>
-      <p:sp>
-        <p:nvSpPr>
-          <p:cNvPr id="2" name="Заголовок 1"/>
-          <p:cNvSpPr>
-            <a:spLocks noGrp="1"/>
-          </p:cNvSpPr>
-          <p:nvPr>
-            <p:ph type="title"/>
-          </p:nvPr>
-        </p:nvSpPr>
-        <p:spPr/>
-        <p:txBody>
-          <a:bodyPr/>
-          <a:lstStyle/>
-          <a:p>
-            <a:endParaRPr lang="ru-RU"/>
-          </a:p>
-        </p:txBody>
-      </p:sp>
-      <p:pic>
-        <p:nvPicPr>
-          <p:cNvPr id="2050" name="Picture 2"/>
-          <p:cNvPicPr>
-            <a:picLocks noGrp="1" noChangeAspect="1" noChangeArrowheads="1"/>
-          </p:cNvPicPr>
-          <p:nvPr>
-            <p:ph sz="quarter" idx="1"/>
-          </p:nvPr>
-        </p:nvPicPr>
-        <p:blipFill>
-          <a:blip r:embed="rId2"/>
-          <a:srcRect/>
-          <a:stretch>
-            <a:fillRect/>
-          </a:stretch>
-        </p:blipFill>
-        <p:spPr bwMode="auto">
-          <a:xfrm>
-            <a:off x="500034" y="1357298"/>
-            <a:ext cx="8343684" cy="3937128"/>
-          </a:xfrm>
-          <a:prstGeom prst="rect">
-            <a:avLst/>
-          </a:prstGeom>
-          <a:noFill/>
-          <a:ln w="9525">
-            <a:noFill/>
-            <a:miter lim="800000"/>
-            <a:headEnd/>
-            <a:tailEnd/>
-          </a:ln>
-          <a:effectLst/>
-        </p:spPr>
-      </p:pic>
-    </p:spTree>
-  </p:cSld>
-  <p:clrMapOvr>
-    <a:masterClrMapping/>
-  </p:clrMapOvr>
-</p:sld>
-</file>
-
-<file path=ppt/slides/slide7.xml><?xml version="1.0" encoding="utf-8"?>
 <p:sld xmlns:a="http://schemas.openxmlformats.org/drawingml/2006/main" xmlns:r="http://schemas.openxmlformats.org/officeDocument/2006/relationships" xmlns:p="http://schemas.openxmlformats.org/presentationml/2006/main">
   <p:cSld>
     <p:spTree>
@@ -4256,6 +4171,99 @@
 </p:sld>
 </file>
 
+<file path=ppt/slides/slide7.xml><?xml version="1.0" encoding="utf-8"?>
+<p:sld xmlns:a="http://schemas.openxmlformats.org/drawingml/2006/main" xmlns:r="http://schemas.openxmlformats.org/officeDocument/2006/relationships" xmlns:p="http://schemas.openxmlformats.org/presentationml/2006/main">
+  <p:cSld>
+    <p:spTree>
+      <p:nvGrpSpPr>
+        <p:cNvPr id="1" name=""/>
+        <p:cNvGrpSpPr/>
+        <p:nvPr/>
+      </p:nvGrpSpPr>
+      <p:grpSpPr>
+        <a:xfrm>
+          <a:off x="0" y="0"/>
+          <a:ext cx="0" cy="0"/>
+          <a:chOff x="0" y="0"/>
+          <a:chExt cx="0" cy="0"/>
+        </a:xfrm>
+      </p:grpSpPr>
+      <p:sp>
+        <p:nvSpPr>
+          <p:cNvPr id="2" name="Заголовок 1"/>
+          <p:cNvSpPr>
+            <a:spLocks noGrp="1"/>
+          </p:cNvSpPr>
+          <p:nvPr>
+            <p:ph type="title"/>
+          </p:nvPr>
+        </p:nvSpPr>
+        <p:spPr/>
+        <p:txBody>
+          <a:bodyPr/>
+          <a:lstStyle/>
+          <a:p>
+            <a:r>
+              <a:rPr lang="ru-RU" dirty="0" smtClean="0"/>
+              <a:t>Структура объекта</a:t>
+            </a:r>
+            <a:endParaRPr lang="ru-RU" dirty="0"/>
+          </a:p>
+        </p:txBody>
+      </p:sp>
+      <p:sp>
+        <p:nvSpPr>
+          <p:cNvPr id="3" name="Содержимое 2"/>
+          <p:cNvSpPr>
+            <a:spLocks noGrp="1"/>
+          </p:cNvSpPr>
+          <p:nvPr>
+            <p:ph sz="quarter" idx="1"/>
+          </p:nvPr>
+        </p:nvSpPr>
+        <p:spPr/>
+        <p:txBody>
+          <a:bodyPr/>
+          <a:lstStyle/>
+          <a:p>
+            <a:endParaRPr lang="ru-RU" dirty="0"/>
+          </a:p>
+        </p:txBody>
+      </p:sp>
+      <p:pic>
+        <p:nvPicPr>
+          <p:cNvPr id="18434" name="Picture 2" descr="http://codelab.ru/data/tasks/207/Image/hierarchicObj.gif"/>
+          <p:cNvPicPr>
+            <a:picLocks noChangeAspect="1" noChangeArrowheads="1"/>
+          </p:cNvPicPr>
+          <p:nvPr/>
+        </p:nvPicPr>
+        <p:blipFill>
+          <a:blip r:embed="rId2"/>
+          <a:srcRect/>
+          <a:stretch>
+            <a:fillRect/>
+          </a:stretch>
+        </p:blipFill>
+        <p:spPr bwMode="auto">
+          <a:xfrm>
+            <a:off x="428596" y="1643050"/>
+            <a:ext cx="8445186" cy="4357718"/>
+          </a:xfrm>
+          <a:prstGeom prst="rect">
+            <a:avLst/>
+          </a:prstGeom>
+          <a:noFill/>
+        </p:spPr>
+      </p:pic>
+    </p:spTree>
+  </p:cSld>
+  <p:clrMapOvr>
+    <a:masterClrMapping/>
+  </p:clrMapOvr>
+</p:sld>
+</file>
+
 <file path=ppt/slides/slide8.xml><?xml version="1.0" encoding="utf-8"?>
 <p:sld xmlns:a="http://schemas.openxmlformats.org/drawingml/2006/main" xmlns:r="http://schemas.openxmlformats.org/officeDocument/2006/relationships" xmlns:p="http://schemas.openxmlformats.org/presentationml/2006/main">
   <p:cSld>
@@ -4288,11 +4296,7 @@
           <a:bodyPr/>
           <a:lstStyle/>
           <a:p>
-            <a:r>
-              <a:rPr lang="ru-RU" dirty="0" smtClean="0"/>
-              <a:t>Структура объекта</a:t>
-            </a:r>
-            <a:endParaRPr lang="ru-RU" dirty="0"/>
+            <a:endParaRPr lang="ru-RU"/>
           </a:p>
         </p:txBody>
       </p:sp>
@@ -4311,13 +4315,13 @@
           <a:bodyPr/>
           <a:lstStyle/>
           <a:p>
-            <a:endParaRPr lang="ru-RU" dirty="0"/>
+            <a:endParaRPr lang="ru-RU"/>
           </a:p>
         </p:txBody>
       </p:sp>
       <p:pic>
         <p:nvPicPr>
-          <p:cNvPr id="18434" name="Picture 2" descr="http://codelab.ru/data/tasks/207/Image/hierarchicObj.gif"/>
+          <p:cNvPr id="4" name="Picture 7"/>
           <p:cNvPicPr>
             <a:picLocks noChangeAspect="1" noChangeArrowheads="1"/>
           </p:cNvPicPr>
@@ -4332,13 +4336,116 @@
         </p:blipFill>
         <p:spPr bwMode="auto">
           <a:xfrm>
-            <a:off x="428596" y="1643050"/>
-            <a:ext cx="8445186" cy="4357718"/>
+            <a:off x="285720" y="285728"/>
+            <a:ext cx="7520584" cy="6357982"/>
           </a:xfrm>
           <a:prstGeom prst="rect">
             <a:avLst/>
           </a:prstGeom>
           <a:noFill/>
+          <a:ln w="9525">
+            <a:noFill/>
+            <a:miter lim="800000"/>
+            <a:headEnd/>
+            <a:tailEnd/>
+          </a:ln>
+          <a:effectLst/>
+        </p:spPr>
+      </p:pic>
+    </p:spTree>
+  </p:cSld>
+  <p:clrMapOvr>
+    <a:masterClrMapping/>
+  </p:clrMapOvr>
+</p:sld>
+</file>
+
+<file path=ppt/slides/slide9.xml><?xml version="1.0" encoding="utf-8"?>
+<p:sld xmlns:a="http://schemas.openxmlformats.org/drawingml/2006/main" xmlns:r="http://schemas.openxmlformats.org/officeDocument/2006/relationships" xmlns:p="http://schemas.openxmlformats.org/presentationml/2006/main">
+  <p:cSld>
+    <p:spTree>
+      <p:nvGrpSpPr>
+        <p:cNvPr id="1" name=""/>
+        <p:cNvGrpSpPr/>
+        <p:nvPr/>
+      </p:nvGrpSpPr>
+      <p:grpSpPr>
+        <a:xfrm>
+          <a:off x="0" y="0"/>
+          <a:ext cx="0" cy="0"/>
+          <a:chOff x="0" y="0"/>
+          <a:chExt cx="0" cy="0"/>
+        </a:xfrm>
+      </p:grpSpPr>
+      <p:sp>
+        <p:nvSpPr>
+          <p:cNvPr id="2" name="Заголовок 1"/>
+          <p:cNvSpPr>
+            <a:spLocks noGrp="1"/>
+          </p:cNvSpPr>
+          <p:nvPr>
+            <p:ph type="title"/>
+          </p:nvPr>
+        </p:nvSpPr>
+        <p:spPr/>
+        <p:txBody>
+          <a:bodyPr/>
+          <a:lstStyle/>
+          <a:p>
+            <a:endParaRPr lang="ru-RU"/>
+          </a:p>
+        </p:txBody>
+      </p:sp>
+      <p:sp>
+        <p:nvSpPr>
+          <p:cNvPr id="3" name="Содержимое 2"/>
+          <p:cNvSpPr>
+            <a:spLocks noGrp="1"/>
+          </p:cNvSpPr>
+          <p:nvPr>
+            <p:ph sz="quarter" idx="1"/>
+          </p:nvPr>
+        </p:nvSpPr>
+        <p:spPr/>
+        <p:txBody>
+          <a:bodyPr/>
+          <a:lstStyle/>
+          <a:p>
+            <a:endParaRPr lang="ru-RU"/>
+          </a:p>
+        </p:txBody>
+      </p:sp>
+      <p:pic>
+        <p:nvPicPr>
+          <p:cNvPr id="1026" name="Picture 2"/>
+          <p:cNvPicPr>
+            <a:picLocks noChangeAspect="1" noChangeArrowheads="1"/>
+          </p:cNvPicPr>
+          <p:nvPr/>
+        </p:nvPicPr>
+        <p:blipFill>
+          <a:blip r:embed="rId2"/>
+          <a:srcRect/>
+          <a:stretch>
+            <a:fillRect/>
+          </a:stretch>
+        </p:blipFill>
+        <p:spPr bwMode="auto">
+          <a:xfrm>
+            <a:off x="428596" y="285728"/>
+            <a:ext cx="6946391" cy="6286544"/>
+          </a:xfrm>
+          <a:prstGeom prst="rect">
+            <a:avLst/>
+          </a:prstGeom>
+          <a:noFill/>
+          <a:ln w="9525">
+            <a:noFill/>
+            <a:miter lim="800000"/>
+            <a:headEnd/>
+            <a:tailEnd/>
+          </a:ln>
+          <a:effectLst/>
         </p:spPr>
       </p:pic>
     </p:spTree>
